--- a/docs/praesi_02_nfr.pptx
+++ b/docs/praesi_02_nfr.pptx
@@ -5,10 +5,10 @@
     <p:sldMasterId id="2147483661" r:id="rId1"/>
   </p:sldMasterIdLst>
   <p:notesMasterIdLst>
-    <p:notesMasterId r:id="rId13"/>
+    <p:notesMasterId r:id="rId14"/>
   </p:notesMasterIdLst>
   <p:handoutMasterIdLst>
-    <p:handoutMasterId r:id="rId14"/>
+    <p:handoutMasterId r:id="rId15"/>
   </p:handoutMasterIdLst>
   <p:sldIdLst>
     <p:sldId id="348" r:id="rId2"/>
@@ -21,7 +21,8 @@
     <p:sldId id="401" r:id="rId9"/>
     <p:sldId id="399" r:id="rId10"/>
     <p:sldId id="362" r:id="rId11"/>
-    <p:sldId id="384" r:id="rId12"/>
+    <p:sldId id="403" r:id="rId12"/>
+    <p:sldId id="384" r:id="rId13"/>
   </p:sldIdLst>
   <p:sldSz cx="12192000" cy="6858000"/>
   <p:notesSz cx="6858000" cy="9144000"/>
@@ -233,7 +234,7 @@
             <a:pPr rtl="0"/>
             <a:fld id="{07CFCBDB-CE23-4A46-8A7E-6C2C614BBF12}" type="datetime1">
               <a:rPr lang="de-DE" smtClean="0"/>
-              <a:t>03.11.2022</a:t>
+              <a:t>10.11.22</a:t>
             </a:fld>
             <a:endParaRPr lang="de-DE"/>
           </a:p>
@@ -313,7 +314,7 @@
             <a:pPr rtl="0"/>
             <a:fld id="{1D7D5C99-9F83-458D-90B6-E6ED176E747E}" type="slidenum">
               <a:rPr lang="de-DE" smtClean="0"/>
-              <a:t>‹Nr.›</a:t>
+              <a:t>‹#›</a:t>
             </a:fld>
             <a:endParaRPr lang="de-DE"/>
           </a:p>
@@ -415,7 +416,7 @@
             <a:fld id="{8A4D433C-8C94-4438-9FB2-5160324843B4}" type="datetime1">
               <a:rPr lang="de-DE" smtClean="0"/>
               <a:pPr/>
-              <a:t>03.11.2022</a:t>
+              <a:t>10.11.22</a:t>
             </a:fld>
             <a:endParaRPr lang="de-DE"/>
           </a:p>
@@ -576,7 +577,7 @@
             <a:pPr rtl="0"/>
             <a:fld id="{499B8ACA-7904-40BD-B38E-FD81EA5319F6}" type="slidenum">
               <a:rPr lang="de-DE" noProof="0" smtClean="0"/>
-              <a:t>‹Nr.›</a:t>
+              <a:t>‹#›</a:t>
             </a:fld>
             <a:endParaRPr lang="de-DE" noProof="0"/>
           </a:p>
@@ -772,6 +773,92 @@
 </p:notes>
 </file>
 
+<file path=ppt/notesSlides/notesSlide10.xml><?xml version="1.0" encoding="utf-8"?>
+<p:notes xmlns:a="http://schemas.openxmlformats.org/drawingml/2006/main" xmlns:r="http://schemas.openxmlformats.org/officeDocument/2006/relationships" xmlns:p="http://schemas.openxmlformats.org/presentationml/2006/main">
+  <p:cSld>
+    <p:spTree>
+      <p:nvGrpSpPr>
+        <p:cNvPr id="1" name=""/>
+        <p:cNvGrpSpPr/>
+        <p:nvPr/>
+      </p:nvGrpSpPr>
+      <p:grpSpPr>
+        <a:xfrm>
+          <a:off x="0" y="0"/>
+          <a:ext cx="0" cy="0"/>
+          <a:chOff x="0" y="0"/>
+          <a:chExt cx="0" cy="0"/>
+        </a:xfrm>
+      </p:grpSpPr>
+      <p:sp>
+        <p:nvSpPr>
+          <p:cNvPr id="2" name="Folienbildplatzhalter 1"/>
+          <p:cNvSpPr>
+            <a:spLocks noGrp="1" noRot="1" noChangeAspect="1"/>
+          </p:cNvSpPr>
+          <p:nvPr>
+            <p:ph type="sldImg"/>
+          </p:nvPr>
+        </p:nvSpPr>
+        <p:spPr/>
+      </p:sp>
+      <p:sp>
+        <p:nvSpPr>
+          <p:cNvPr id="3" name="Notizenplatzhalter 2"/>
+          <p:cNvSpPr>
+            <a:spLocks noGrp="1"/>
+          </p:cNvSpPr>
+          <p:nvPr>
+            <p:ph type="body" idx="1"/>
+          </p:nvPr>
+        </p:nvSpPr>
+        <p:spPr/>
+        <p:txBody>
+          <a:bodyPr rtlCol="0"/>
+          <a:lstStyle/>
+          <a:p>
+            <a:pPr rtl="0"/>
+            <a:endParaRPr lang="de-DE"/>
+          </a:p>
+        </p:txBody>
+      </p:sp>
+      <p:sp>
+        <p:nvSpPr>
+          <p:cNvPr id="4" name="Foliennummernplatzhalter 3"/>
+          <p:cNvSpPr>
+            <a:spLocks noGrp="1"/>
+          </p:cNvSpPr>
+          <p:nvPr>
+            <p:ph type="sldNum" sz="quarter" idx="5"/>
+          </p:nvPr>
+        </p:nvSpPr>
+        <p:spPr/>
+        <p:txBody>
+          <a:bodyPr rtlCol="0"/>
+          <a:lstStyle/>
+          <a:p>
+            <a:pPr rtl="0"/>
+            <a:fld id="{499B8ACA-7904-40BD-B38E-FD81EA5319F6}" type="slidenum">
+              <a:rPr lang="de-DE" smtClean="0"/>
+              <a:t>12</a:t>
+            </a:fld>
+            <a:endParaRPr lang="de-DE"/>
+          </a:p>
+        </p:txBody>
+      </p:sp>
+    </p:spTree>
+    <p:extLst>
+      <p:ext uri="{BB962C8B-B14F-4D97-AF65-F5344CB8AC3E}">
+        <p14:creationId xmlns:p14="http://schemas.microsoft.com/office/powerpoint/2010/main" val="805392587"/>
+      </p:ext>
+    </p:extLst>
+  </p:cSld>
+  <p:clrMapOvr>
+    <a:masterClrMapping/>
+  </p:clrMapOvr>
+</p:notes>
+</file>
+
 <file path=ppt/notesSlides/notesSlide2.xml><?xml version="1.0" encoding="utf-8"?>
 <p:notes xmlns:a="http://schemas.openxmlformats.org/drawingml/2006/main" xmlns:r="http://schemas.openxmlformats.org/officeDocument/2006/relationships" xmlns:p="http://schemas.openxmlformats.org/presentationml/2006/main">
   <p:cSld>
@@ -1082,7 +1169,10 @@
           <a:bodyPr/>
           <a:lstStyle/>
           <a:p>
-            <a:endParaRPr lang="de-DE"/>
+            <a:r>
+              <a:rPr lang="de-DE" dirty="0"/>
+              <a:t>Benutzer-Daten nicht unverschlüsselt speichern</a:t>
+            </a:r>
           </a:p>
         </p:txBody>
       </p:sp>
@@ -1431,11 +1521,13 @@
         </p:nvSpPr>
         <p:spPr/>
         <p:txBody>
-          <a:bodyPr rtlCol="0"/>
+          <a:bodyPr/>
           <a:lstStyle/>
           <a:p>
-            <a:pPr rtl="0"/>
-            <a:endParaRPr lang="de-DE"/>
+            <a:r>
+              <a:rPr lang="de-DE" dirty="0"/>
+              <a:t>„Verhältnismäßigkeit“</a:t>
+            </a:r>
           </a:p>
         </p:txBody>
       </p:sp>
@@ -1451,7 +1543,7 @@
         </p:nvSpPr>
         <p:spPr/>
         <p:txBody>
-          <a:bodyPr rtlCol="0"/>
+          <a:bodyPr/>
           <a:lstStyle/>
           <a:p>
             <a:pPr rtl="0"/>
@@ -1466,7 +1558,7 @@
     </p:spTree>
     <p:extLst>
       <p:ext uri="{BB962C8B-B14F-4D97-AF65-F5344CB8AC3E}">
-        <p14:creationId xmlns:p14="http://schemas.microsoft.com/office/powerpoint/2010/main" val="805392587"/>
+        <p14:creationId xmlns:p14="http://schemas.microsoft.com/office/powerpoint/2010/main" val="2602775059"/>
       </p:ext>
     </p:extLst>
   </p:cSld>
@@ -29357,7 +29449,7 @@
             <a:pPr rtl="0"/>
             <a:fld id="{6337A45D-1E15-438C-9090-998E3A40A1C9}" type="datetime1">
               <a:rPr lang="de-DE" noProof="0" smtClean="0"/>
-              <a:t>03.11.2022</a:t>
+              <a:t>10.11.22</a:t>
             </a:fld>
             <a:endParaRPr lang="de-DE" noProof="0"/>
           </a:p>
@@ -29449,7 +29541,7 @@
             <a:pPr rtl="0"/>
             <a:fld id="{745CA84A-544F-4B6B-BC9A-925394EE73B5}" type="slidenum">
               <a:rPr lang="de-DE" noProof="0" smtClean="0"/>
-              <a:t>‹Nr.›</a:t>
+              <a:t>‹#›</a:t>
             </a:fld>
             <a:endParaRPr lang="de-DE" noProof="0"/>
           </a:p>
@@ -30097,7 +30189,7 @@
           <a:p>
             <a:r>
               <a:rPr lang="de-DE" sz="2400" dirty="0"/>
-              <a:t>Präsentation 2</a:t>
+              <a:t>Präsentation 2.1</a:t>
             </a:r>
           </a:p>
         </p:txBody>
@@ -30164,13 +30256,13 @@
               </a:ext>
             </a:extLst>
           </a:blip>
-          <a:srcRect/>
+          <a:srcRect r="43855"/>
           <a:stretch/>
         </p:blipFill>
         <p:spPr>
           <a:xfrm>
             <a:off x="0" y="0"/>
-            <a:ext cx="3647210" cy="6858000"/>
+            <a:ext cx="2047741" cy="6858000"/>
           </a:xfrm>
         </p:spPr>
       </p:pic>
@@ -30192,8 +30284,8 @@
         </p:nvSpPr>
         <p:spPr>
           <a:xfrm>
-            <a:off x="4119783" y="85919"/>
-            <a:ext cx="6459317" cy="1325563"/>
+            <a:off x="2704563" y="85919"/>
+            <a:ext cx="7874537" cy="1325563"/>
           </a:xfrm>
         </p:spPr>
         <p:txBody>
@@ -30201,7 +30293,7 @@
           <a:lstStyle/>
           <a:p>
             <a:r>
-              <a:rPr lang="de-DE">
+              <a:rPr lang="de-DE" dirty="0">
                 <a:solidFill>
                   <a:schemeClr val="tx1"/>
                 </a:solidFill>
@@ -30213,10 +30305,10 @@
       </p:sp>
       <p:pic>
         <p:nvPicPr>
-          <p:cNvPr id="5" name="Grafik 4">
-            <a:extLst>
-              <a:ext uri="{FF2B5EF4-FFF2-40B4-BE49-F238E27FC236}">
-                <a16:creationId xmlns:a16="http://schemas.microsoft.com/office/drawing/2014/main" id="{9AF38C50-9742-986D-B5F1-C326BD249778}"/>
+          <p:cNvPr id="13" name="Picture 12">
+            <a:extLst>
+              <a:ext uri="{FF2B5EF4-FFF2-40B4-BE49-F238E27FC236}">
+                <a16:creationId xmlns:a16="http://schemas.microsoft.com/office/drawing/2014/main" id="{C1600E21-1435-0AEF-EBFE-40C3DBE6F4F0}"/>
               </a:ext>
             </a:extLst>
           </p:cNvPr>
@@ -30226,30 +30318,19 @@
           <p:nvPr/>
         </p:nvPicPr>
         <p:blipFill>
-          <a:blip r:embed="rId4">
-            <a:extLst>
-              <a:ext uri="{28A0092B-C50C-407E-A947-70E740481C1C}">
-                <a14:useLocalDpi xmlns:a14="http://schemas.microsoft.com/office/drawing/2010/main"/>
-              </a:ext>
-            </a:extLst>
-          </a:blip>
-          <a:srcRect/>
+          <a:blip r:embed="rId4"/>
           <a:stretch>
             <a:fillRect/>
           </a:stretch>
         </p:blipFill>
-        <p:spPr bwMode="auto">
-          <a:xfrm>
-            <a:off x="4119783" y="1714316"/>
-            <a:ext cx="7407660" cy="3426206"/>
+        <p:spPr>
+          <a:xfrm>
+            <a:off x="2704562" y="1411482"/>
+            <a:ext cx="9012615" cy="4255222"/>
           </a:xfrm>
           <a:prstGeom prst="rect">
             <a:avLst/>
           </a:prstGeom>
-          <a:noFill/>
-          <a:ln>
-            <a:noFill/>
-          </a:ln>
         </p:spPr>
       </p:pic>
     </p:spTree>
@@ -30266,6 +30347,268 @@
 </file>
 
 <file path=ppt/slides/slide11.xml><?xml version="1.0" encoding="utf-8"?>
+<p:sld xmlns:a="http://schemas.openxmlformats.org/drawingml/2006/main" xmlns:r="http://schemas.openxmlformats.org/officeDocument/2006/relationships" xmlns:p="http://schemas.openxmlformats.org/presentationml/2006/main">
+  <p:cSld>
+    <p:bg>
+      <p:bgPr>
+        <a:solidFill>
+          <a:schemeClr val="bg1"/>
+        </a:solidFill>
+        <a:effectLst/>
+      </p:bgPr>
+    </p:bg>
+    <p:spTree>
+      <p:nvGrpSpPr>
+        <p:cNvPr id="1" name=""/>
+        <p:cNvGrpSpPr/>
+        <p:nvPr/>
+      </p:nvGrpSpPr>
+      <p:grpSpPr>
+        <a:xfrm>
+          <a:off x="0" y="0"/>
+          <a:ext cx="0" cy="0"/>
+          <a:chOff x="0" y="0"/>
+          <a:chExt cx="0" cy="0"/>
+        </a:xfrm>
+      </p:grpSpPr>
+      <p:sp>
+        <p:nvSpPr>
+          <p:cNvPr id="2" name="Titel 1">
+            <a:extLst>
+              <a:ext uri="{FF2B5EF4-FFF2-40B4-BE49-F238E27FC236}">
+                <a16:creationId xmlns:a16="http://schemas.microsoft.com/office/drawing/2014/main" id="{FD5E043E-7182-49E1-96F0-3B90C33FB6EC}"/>
+              </a:ext>
+            </a:extLst>
+          </p:cNvPr>
+          <p:cNvSpPr>
+            <a:spLocks noGrp="1"/>
+          </p:cNvSpPr>
+          <p:nvPr>
+            <p:ph type="title"/>
+          </p:nvPr>
+        </p:nvSpPr>
+        <p:spPr>
+          <a:xfrm>
+            <a:off x="4148433" y="435844"/>
+            <a:ext cx="7921353" cy="1325563"/>
+          </a:xfrm>
+        </p:spPr>
+        <p:txBody>
+          <a:bodyPr rtlCol="0">
+            <a:normAutofit/>
+          </a:bodyPr>
+          <a:lstStyle/>
+          <a:p>
+            <a:r>
+              <a:rPr lang="de-DE" sz="4800" dirty="0">
+                <a:solidFill>
+                  <a:schemeClr val="tx1"/>
+                </a:solidFill>
+              </a:rPr>
+              <a:t>Microservices</a:t>
+            </a:r>
+          </a:p>
+        </p:txBody>
+      </p:sp>
+      <p:sp>
+        <p:nvSpPr>
+          <p:cNvPr id="4" name="Textfeld 3">
+            <a:extLst>
+              <a:ext uri="{FF2B5EF4-FFF2-40B4-BE49-F238E27FC236}">
+                <a16:creationId xmlns:a16="http://schemas.microsoft.com/office/drawing/2014/main" id="{B976F067-351F-BFEC-4974-84A09ADA5113}"/>
+              </a:ext>
+            </a:extLst>
+          </p:cNvPr>
+          <p:cNvSpPr txBox="1"/>
+          <p:nvPr/>
+        </p:nvSpPr>
+        <p:spPr>
+          <a:xfrm>
+            <a:off x="4148432" y="2852928"/>
+            <a:ext cx="7784487" cy="3781035"/>
+          </a:xfrm>
+          <a:prstGeom prst="rect">
+            <a:avLst/>
+          </a:prstGeom>
+          <a:noFill/>
+        </p:spPr>
+        <p:txBody>
+          <a:bodyPr wrap="square" rtlCol="0">
+            <a:spAutoFit/>
+          </a:bodyPr>
+          <a:lstStyle/>
+          <a:p>
+            <a:pPr marL="285750" indent="-285750">
+              <a:lnSpc>
+                <a:spcPct val="150000"/>
+              </a:lnSpc>
+              <a:buFont typeface="Arial" panose="020B0604020202020204" pitchFamily="34" charset="0"/>
+              <a:buChar char="•"/>
+            </a:pPr>
+            <a:r>
+              <a:rPr lang="de-DE" dirty="0"/>
+              <a:t>Geringer Funktionsumfang </a:t>
+            </a:r>
+            <a:r>
+              <a:rPr lang="de-DE" dirty="0">
+                <a:sym typeface="Wingdings" pitchFamily="2" charset="2"/>
+              </a:rPr>
+              <a:t> eine API (als Microservice) für alle Funktionalitäten</a:t>
+            </a:r>
+          </a:p>
+          <a:p>
+            <a:pPr marL="742950" lvl="1" indent="-285750">
+              <a:lnSpc>
+                <a:spcPct val="150000"/>
+              </a:lnSpc>
+              <a:buFont typeface="Arial" panose="020B0604020202020204" pitchFamily="34" charset="0"/>
+              <a:buChar char="•"/>
+            </a:pPr>
+            <a:r>
+              <a:rPr lang="de-DE" dirty="0">
+                <a:sym typeface="Wingdings" pitchFamily="2" charset="2"/>
+              </a:rPr>
+              <a:t>Rezept-</a:t>
+            </a:r>
+            <a:r>
+              <a:rPr lang="de-DE" dirty="0" err="1">
+                <a:sym typeface="Wingdings" pitchFamily="2" charset="2"/>
+              </a:rPr>
+              <a:t>Matching</a:t>
+            </a:r>
+            <a:endParaRPr lang="de-DE" dirty="0">
+              <a:sym typeface="Wingdings" pitchFamily="2" charset="2"/>
+            </a:endParaRPr>
+          </a:p>
+          <a:p>
+            <a:pPr marL="742950" lvl="1" indent="-285750">
+              <a:lnSpc>
+                <a:spcPct val="150000"/>
+              </a:lnSpc>
+              <a:buFont typeface="Arial" panose="020B0604020202020204" pitchFamily="34" charset="0"/>
+              <a:buChar char="•"/>
+            </a:pPr>
+            <a:r>
+              <a:rPr lang="de-DE" dirty="0">
+                <a:sym typeface="Wingdings" pitchFamily="2" charset="2"/>
+              </a:rPr>
+              <a:t>Authentication</a:t>
+            </a:r>
+          </a:p>
+          <a:p>
+            <a:pPr marL="742950" lvl="1" indent="-285750">
+              <a:lnSpc>
+                <a:spcPct val="150000"/>
+              </a:lnSpc>
+              <a:buFont typeface="Arial" panose="020B0604020202020204" pitchFamily="34" charset="0"/>
+              <a:buChar char="•"/>
+            </a:pPr>
+            <a:r>
+              <a:rPr lang="de-DE" dirty="0">
+                <a:sym typeface="Wingdings" pitchFamily="2" charset="2"/>
+              </a:rPr>
+              <a:t>Einkaufslisten</a:t>
+            </a:r>
+          </a:p>
+          <a:p>
+            <a:pPr marL="742950" lvl="1" indent="-285750">
+              <a:lnSpc>
+                <a:spcPct val="150000"/>
+              </a:lnSpc>
+              <a:buFont typeface="Arial" panose="020B0604020202020204" pitchFamily="34" charset="0"/>
+              <a:buChar char="•"/>
+            </a:pPr>
+            <a:r>
+              <a:rPr lang="de-DE" dirty="0">
+                <a:sym typeface="Wingdings" pitchFamily="2" charset="2"/>
+              </a:rPr>
+              <a:t>Bewertungen</a:t>
+            </a:r>
+          </a:p>
+          <a:p>
+            <a:pPr marL="285750" indent="-285750">
+              <a:lnSpc>
+                <a:spcPct val="150000"/>
+              </a:lnSpc>
+              <a:buFont typeface="Arial" panose="020B0604020202020204" pitchFamily="34" charset="0"/>
+              <a:buChar char="•"/>
+            </a:pPr>
+            <a:r>
+              <a:rPr lang="de-DE" dirty="0"/>
+              <a:t>UI als Extra-Microservice einzustufen</a:t>
+            </a:r>
+          </a:p>
+          <a:p>
+            <a:pPr marL="285750" indent="-285750">
+              <a:lnSpc>
+                <a:spcPct val="150000"/>
+              </a:lnSpc>
+              <a:buFont typeface="Arial" panose="020B0604020202020204" pitchFamily="34" charset="0"/>
+              <a:buChar char="•"/>
+            </a:pPr>
+            <a:r>
+              <a:rPr lang="de-DE" dirty="0"/>
+              <a:t>(DB)</a:t>
+            </a:r>
+          </a:p>
+          <a:p>
+            <a:pPr>
+              <a:lnSpc>
+                <a:spcPct val="150000"/>
+              </a:lnSpc>
+            </a:pPr>
+            <a:endParaRPr lang="de-DE" dirty="0"/>
+          </a:p>
+        </p:txBody>
+      </p:sp>
+      <p:pic>
+        <p:nvPicPr>
+          <p:cNvPr id="9" name="Grafik 9" descr="Ein Bild, das Teller, Essen, Gemüse, Fleisch enthält.&#10;&#10;Beschreibung automatisch generiert.">
+            <a:extLst>
+              <a:ext uri="{FF2B5EF4-FFF2-40B4-BE49-F238E27FC236}">
+                <a16:creationId xmlns:a16="http://schemas.microsoft.com/office/drawing/2014/main" id="{5420643B-9874-97E2-80D9-D5C5F60BB7C9}"/>
+              </a:ext>
+            </a:extLst>
+          </p:cNvPr>
+          <p:cNvPicPr>
+            <a:picLocks noGrp="1" noChangeAspect="1"/>
+          </p:cNvPicPr>
+          <p:nvPr>
+            <p:ph type="pic" sz="quarter" idx="10"/>
+          </p:nvPr>
+        </p:nvPicPr>
+        <p:blipFill rotWithShape="1">
+          <a:blip r:embed="rId3" cstate="screen">
+            <a:extLst>
+              <a:ext uri="{28A0092B-C50C-407E-A947-70E740481C1C}">
+                <a14:useLocalDpi xmlns:a14="http://schemas.microsoft.com/office/drawing/2010/main"/>
+              </a:ext>
+            </a:extLst>
+          </a:blip>
+          <a:srcRect/>
+          <a:stretch/>
+        </p:blipFill>
+        <p:spPr>
+          <a:xfrm>
+            <a:off x="0" y="-6991"/>
+            <a:ext cx="3692590" cy="6871948"/>
+          </a:xfrm>
+        </p:spPr>
+      </p:pic>
+    </p:spTree>
+    <p:extLst>
+      <p:ext uri="{BB962C8B-B14F-4D97-AF65-F5344CB8AC3E}">
+        <p14:creationId xmlns:p14="http://schemas.microsoft.com/office/powerpoint/2010/main" val="1463774521"/>
+      </p:ext>
+    </p:extLst>
+  </p:cSld>
+  <p:clrMapOvr>
+    <a:masterClrMapping/>
+  </p:clrMapOvr>
+</p:sld>
+</file>
+
+<file path=ppt/slides/slide12.xml><?xml version="1.0" encoding="utf-8"?>
 <p:sld xmlns:a="http://schemas.openxmlformats.org/drawingml/2006/main" xmlns:r="http://schemas.openxmlformats.org/officeDocument/2006/relationships" xmlns:p="http://schemas.openxmlformats.org/presentationml/2006/main">
   <p:cSld>
     <p:bg>
@@ -30587,7 +30930,7 @@
 </file>
 
 <file path=ppt/slides/slide2.xml><?xml version="1.0" encoding="utf-8"?>
-<p:sld xmlns:a="http://schemas.openxmlformats.org/drawingml/2006/main" xmlns:r="http://schemas.openxmlformats.org/officeDocument/2006/relationships" xmlns:p="http://schemas.openxmlformats.org/presentationml/2006/main">
+<p:sld xmlns:a="http://schemas.openxmlformats.org/drawingml/2006/main" xmlns:r="http://schemas.openxmlformats.org/officeDocument/2006/relationships" xmlns:p="http://schemas.openxmlformats.org/presentationml/2006/main" show="0">
   <p:cSld>
     <p:spTree>
       <p:nvGrpSpPr>
@@ -30690,7 +31033,7 @@
 </file>
 
 <file path=ppt/slides/slide3.xml><?xml version="1.0" encoding="utf-8"?>
-<p:sld xmlns:a="http://schemas.openxmlformats.org/drawingml/2006/main" xmlns:r="http://schemas.openxmlformats.org/officeDocument/2006/relationships" xmlns:p="http://schemas.openxmlformats.org/presentationml/2006/main">
+<p:sld xmlns:a="http://schemas.openxmlformats.org/drawingml/2006/main" xmlns:r="http://schemas.openxmlformats.org/officeDocument/2006/relationships" xmlns:p="http://schemas.openxmlformats.org/presentationml/2006/main" show="0">
   <p:cSld>
     <p:bg>
       <p:bgPr>
@@ -30896,7 +31239,7 @@
 </file>
 
 <file path=ppt/slides/slide4.xml><?xml version="1.0" encoding="utf-8"?>
-<p:sld xmlns:a="http://schemas.openxmlformats.org/drawingml/2006/main" xmlns:r="http://schemas.openxmlformats.org/officeDocument/2006/relationships" xmlns:p="http://schemas.openxmlformats.org/presentationml/2006/main">
+<p:sld xmlns:a="http://schemas.openxmlformats.org/drawingml/2006/main" xmlns:r="http://schemas.openxmlformats.org/officeDocument/2006/relationships" xmlns:p="http://schemas.openxmlformats.org/presentationml/2006/main" show="0">
   <p:cSld>
     <p:bg>
       <p:bgPr>
@@ -31110,7 +31453,7 @@
 </file>
 
 <file path=ppt/slides/slide5.xml><?xml version="1.0" encoding="utf-8"?>
-<p:sld xmlns:a="http://schemas.openxmlformats.org/drawingml/2006/main" xmlns:r="http://schemas.openxmlformats.org/officeDocument/2006/relationships" xmlns:p="http://schemas.openxmlformats.org/presentationml/2006/main">
+<p:sld xmlns:a="http://schemas.openxmlformats.org/drawingml/2006/main" xmlns:r="http://schemas.openxmlformats.org/officeDocument/2006/relationships" xmlns:p="http://schemas.openxmlformats.org/presentationml/2006/main" show="0">
   <p:cSld>
     <p:bg>
       <p:bgPr>
@@ -31295,7 +31638,7 @@
 </file>
 
 <file path=ppt/slides/slide6.xml><?xml version="1.0" encoding="utf-8"?>
-<p:sld xmlns:a="http://schemas.openxmlformats.org/drawingml/2006/main" xmlns:r="http://schemas.openxmlformats.org/officeDocument/2006/relationships" xmlns:p="http://schemas.openxmlformats.org/presentationml/2006/main">
+<p:sld xmlns:a="http://schemas.openxmlformats.org/drawingml/2006/main" xmlns:r="http://schemas.openxmlformats.org/officeDocument/2006/relationships" xmlns:p="http://schemas.openxmlformats.org/presentationml/2006/main" show="0">
   <p:cSld>
     <p:bg>
       <p:bgPr>
@@ -31373,7 +31716,7 @@
         <p:spPr>
           <a:xfrm>
             <a:off x="4148432" y="2377440"/>
-            <a:ext cx="7784487" cy="2950038"/>
+            <a:ext cx="7784487" cy="2534540"/>
           </a:xfrm>
           <a:prstGeom prst="rect">
             <a:avLst/>
@@ -31395,15 +31738,7 @@
             </a:pPr>
             <a:r>
               <a:rPr lang="de-DE" dirty="0"/>
-              <a:t>HTTPS (HTTP </a:t>
-            </a:r>
-            <a:r>
-              <a:rPr lang="de-DE" dirty="0" err="1"/>
-              <a:t>over</a:t>
-            </a:r>
-            <a:r>
-              <a:rPr lang="de-DE" dirty="0"/>
-              <a:t> TLS) für Basis-Verschlüsselung zwischen Client und Server (UI und API)</a:t>
+              <a:t>HTTPS für Basis-Verschlüsselung zwischen Client und Server (UI und API)</a:t>
             </a:r>
           </a:p>
           <a:p>
@@ -31514,7 +31849,7 @@
 </file>
 
 <file path=ppt/slides/slide7.xml><?xml version="1.0" encoding="utf-8"?>
-<p:sld xmlns:a="http://schemas.openxmlformats.org/drawingml/2006/main" xmlns:r="http://schemas.openxmlformats.org/officeDocument/2006/relationships" xmlns:p="http://schemas.openxmlformats.org/presentationml/2006/main">
+<p:sld xmlns:a="http://schemas.openxmlformats.org/drawingml/2006/main" xmlns:r="http://schemas.openxmlformats.org/officeDocument/2006/relationships" xmlns:p="http://schemas.openxmlformats.org/presentationml/2006/main" show="0">
   <p:cSld>
     <p:bg>
       <p:bgPr>
@@ -31730,7 +32065,7 @@
 </file>
 
 <file path=ppt/slides/slide8.xml><?xml version="1.0" encoding="utf-8"?>
-<p:sld xmlns:a="http://schemas.openxmlformats.org/drawingml/2006/main" xmlns:r="http://schemas.openxmlformats.org/officeDocument/2006/relationships" xmlns:p="http://schemas.openxmlformats.org/presentationml/2006/main">
+<p:sld xmlns:a="http://schemas.openxmlformats.org/drawingml/2006/main" xmlns:r="http://schemas.openxmlformats.org/officeDocument/2006/relationships" xmlns:p="http://schemas.openxmlformats.org/presentationml/2006/main" show="0">
   <p:cSld>
     <p:bg>
       <p:bgPr>
@@ -31968,7 +32303,7 @@
 </file>
 
 <file path=ppt/slides/slide9.xml><?xml version="1.0" encoding="utf-8"?>
-<p:sld xmlns:a="http://schemas.openxmlformats.org/drawingml/2006/main" xmlns:r="http://schemas.openxmlformats.org/officeDocument/2006/relationships" xmlns:p="http://schemas.openxmlformats.org/presentationml/2006/main">
+<p:sld xmlns:a="http://schemas.openxmlformats.org/drawingml/2006/main" xmlns:r="http://schemas.openxmlformats.org/officeDocument/2006/relationships" xmlns:p="http://schemas.openxmlformats.org/presentationml/2006/main" show="0">
   <p:cSld>
     <p:spTree>
       <p:nvGrpSpPr>
